--- a/CME/figs/jLM_Schematic.pptx
+++ b/CME/figs/jLM_Schematic.pptx
@@ -135,10 +135,25 @@
   <pc:docChgLst>
     <pc:chgData name="Fu, Enguang" userId="0a9dcee4-6405-40fd-bb42-dd19fc94bec1" providerId="ADAL" clId="{6C62279B-C23D-C44B-818D-AE6AE8742BC2}"/>
     <pc:docChg chg="undo custSel addSld modSld">
-      <pc:chgData name="Fu, Enguang" userId="0a9dcee4-6405-40fd-bb42-dd19fc94bec1" providerId="ADAL" clId="{6C62279B-C23D-C44B-818D-AE6AE8742BC2}" dt="2025-07-08T21:48:02.748" v="116" actId="14100"/>
+      <pc:chgData name="Fu, Enguang" userId="0a9dcee4-6405-40fd-bb42-dd19fc94bec1" providerId="ADAL" clId="{6C62279B-C23D-C44B-818D-AE6AE8742BC2}" dt="2025-07-08T22:53:07.530" v="117" actId="207"/>
       <pc:docMkLst>
         <pc:docMk/>
       </pc:docMkLst>
+      <pc:sldChg chg="modSp mod">
+        <pc:chgData name="Fu, Enguang" userId="0a9dcee4-6405-40fd-bb42-dd19fc94bec1" providerId="ADAL" clId="{6C62279B-C23D-C44B-818D-AE6AE8742BC2}" dt="2025-07-08T22:53:07.530" v="117" actId="207"/>
+        <pc:sldMkLst>
+          <pc:docMk/>
+          <pc:sldMk cId="447286977" sldId="256"/>
+        </pc:sldMkLst>
+        <pc:spChg chg="mod">
+          <ac:chgData name="Fu, Enguang" userId="0a9dcee4-6405-40fd-bb42-dd19fc94bec1" providerId="ADAL" clId="{6C62279B-C23D-C44B-818D-AE6AE8742BC2}" dt="2025-07-08T22:53:07.530" v="117" actId="207"/>
+          <ac:spMkLst>
+            <pc:docMk/>
+            <pc:sldMk cId="447286977" sldId="256"/>
+            <ac:spMk id="2" creationId="{3E0DF576-F49D-D7EE-DB88-435EDBC5FED8}"/>
+          </ac:spMkLst>
+        </pc:spChg>
+      </pc:sldChg>
       <pc:sldChg chg="addSp modSp new mod">
         <pc:chgData name="Fu, Enguang" userId="0a9dcee4-6405-40fd-bb42-dd19fc94bec1" providerId="ADAL" clId="{6C62279B-C23D-C44B-818D-AE6AE8742BC2}" dt="2025-07-08T20:51:58.508" v="11" actId="14100"/>
         <pc:sldMkLst>
@@ -4083,7 +4098,11 @@
           <a:bodyPr/>
           <a:lstStyle/>
           <a:p>
-            <a:endParaRPr lang="en-US"/>
+            <a:endParaRPr lang="en-US">
+              <a:solidFill>
+                <a:srgbClr val="F59D56"/>
+              </a:solidFill>
+            </a:endParaRPr>
           </a:p>
         </p:txBody>
       </p:sp>
@@ -9154,7 +9173,7 @@
           </a:ln>
           <a:extLst>
             <a:ext uri="{C572A759-6A51-4108-AA02-DFA0A04FC94B}">
-              <ma14:wrappingTextBoxFlag xmlns:lc="http://schemas.openxmlformats.org/drawingml/2006/lockedCanvas" xmlns:ma14="http://schemas.microsoft.com/office/mac/drawingml/2011/main" xmlns:a14="http://schemas.microsoft.com/office/drawing/2010/main" xmlns:m="http://schemas.openxmlformats.org/officeDocument/2006/math" xmlns="" val="1"/>
+              <ma14:wrappingTextBoxFlag xmlns="" xmlns:m="http://schemas.openxmlformats.org/officeDocument/2006/math" xmlns:a14="http://schemas.microsoft.com/office/drawing/2010/main" xmlns:ma14="http://schemas.microsoft.com/office/mac/drawingml/2011/main" xmlns:lc="http://schemas.openxmlformats.org/drawingml/2006/lockedCanvas" val="1"/>
             </a:ext>
           </a:extLst>
         </p:spPr>
@@ -9322,7 +9341,7 @@
           </a:ln>
           <a:extLst>
             <a:ext uri="{C572A759-6A51-4108-AA02-DFA0A04FC94B}">
-              <ma14:wrappingTextBoxFlag xmlns:lc="http://schemas.openxmlformats.org/drawingml/2006/lockedCanvas" xmlns:ma14="http://schemas.microsoft.com/office/mac/drawingml/2011/main" xmlns:a14="http://schemas.microsoft.com/office/drawing/2010/main" xmlns:m="http://schemas.openxmlformats.org/officeDocument/2006/math" xmlns="" val="1"/>
+              <ma14:wrappingTextBoxFlag xmlns="" xmlns:m="http://schemas.openxmlformats.org/officeDocument/2006/math" xmlns:a14="http://schemas.microsoft.com/office/drawing/2010/main" xmlns:ma14="http://schemas.microsoft.com/office/mac/drawingml/2011/main" xmlns:lc="http://schemas.openxmlformats.org/drawingml/2006/lockedCanvas" val="1"/>
             </a:ext>
           </a:extLst>
         </p:spPr>
@@ -9834,7 +9853,7 @@
           </a:ln>
           <a:extLst>
             <a:ext uri="{C572A759-6A51-4108-AA02-DFA0A04FC94B}">
-              <ma14:wrappingTextBoxFlag xmlns:ma14="http://schemas.microsoft.com/office/mac/drawingml/2011/main" xmlns:a14="http://schemas.microsoft.com/office/drawing/2010/main" xmlns:m="http://schemas.openxmlformats.org/officeDocument/2006/math" xmlns="" val="1"/>
+              <ma14:wrappingTextBoxFlag xmlns="" xmlns:m="http://schemas.openxmlformats.org/officeDocument/2006/math" xmlns:a14="http://schemas.microsoft.com/office/drawing/2010/main" xmlns:ma14="http://schemas.microsoft.com/office/mac/drawingml/2011/main" val="1"/>
             </a:ext>
           </a:extLst>
         </p:spPr>
@@ -10546,7 +10565,7 @@
           </a:ln>
           <a:extLst>
             <a:ext uri="{C572A759-6A51-4108-AA02-DFA0A04FC94B}">
-              <ma14:wrappingTextBoxFlag xmlns:ma14="http://schemas.microsoft.com/office/mac/drawingml/2011/main" xmlns:a14="http://schemas.microsoft.com/office/drawing/2010/main" xmlns:m="http://schemas.openxmlformats.org/officeDocument/2006/math" xmlns="" val="1"/>
+              <ma14:wrappingTextBoxFlag xmlns="" xmlns:m="http://schemas.openxmlformats.org/officeDocument/2006/math" xmlns:a14="http://schemas.microsoft.com/office/drawing/2010/main" xmlns:ma14="http://schemas.microsoft.com/office/mac/drawingml/2011/main" val="1"/>
             </a:ext>
           </a:extLst>
         </p:spPr>
@@ -10670,7 +10689,7 @@
           </a:ln>
           <a:extLst>
             <a:ext uri="{C572A759-6A51-4108-AA02-DFA0A04FC94B}">
-              <ma14:wrappingTextBoxFlag xmlns:ma14="http://schemas.microsoft.com/office/mac/drawingml/2011/main" xmlns:a14="http://schemas.microsoft.com/office/drawing/2010/main" xmlns:m="http://schemas.openxmlformats.org/officeDocument/2006/math" xmlns="" val="1"/>
+              <ma14:wrappingTextBoxFlag xmlns="" xmlns:m="http://schemas.openxmlformats.org/officeDocument/2006/math" xmlns:a14="http://schemas.microsoft.com/office/drawing/2010/main" xmlns:ma14="http://schemas.microsoft.com/office/mac/drawingml/2011/main" val="1"/>
             </a:ext>
           </a:extLst>
         </p:spPr>
@@ -10791,7 +10810,7 @@
           </a:ln>
           <a:extLst>
             <a:ext uri="{C572A759-6A51-4108-AA02-DFA0A04FC94B}">
-              <ma14:wrappingTextBoxFlag xmlns:ma14="http://schemas.microsoft.com/office/mac/drawingml/2011/main" xmlns:a14="http://schemas.microsoft.com/office/drawing/2010/main" xmlns:m="http://schemas.openxmlformats.org/officeDocument/2006/math" xmlns="" val="1"/>
+              <ma14:wrappingTextBoxFlag xmlns="" xmlns:m="http://schemas.openxmlformats.org/officeDocument/2006/math" xmlns:a14="http://schemas.microsoft.com/office/drawing/2010/main" xmlns:ma14="http://schemas.microsoft.com/office/mac/drawingml/2011/main" val="1"/>
             </a:ext>
           </a:extLst>
         </p:spPr>
@@ -10861,7 +10880,7 @@
           </a:ln>
           <a:extLst>
             <a:ext uri="{C572A759-6A51-4108-AA02-DFA0A04FC94B}">
-              <ma14:wrappingTextBoxFlag xmlns:ma14="http://schemas.microsoft.com/office/mac/drawingml/2011/main" xmlns:a14="http://schemas.microsoft.com/office/drawing/2010/main" xmlns:m="http://schemas.openxmlformats.org/officeDocument/2006/math" xmlns="" val="1"/>
+              <ma14:wrappingTextBoxFlag xmlns="" xmlns:m="http://schemas.openxmlformats.org/officeDocument/2006/math" xmlns:a14="http://schemas.microsoft.com/office/drawing/2010/main" xmlns:ma14="http://schemas.microsoft.com/office/mac/drawingml/2011/main" val="1"/>
             </a:ext>
           </a:extLst>
         </p:spPr>
@@ -11687,8 +11706,8 @@
           </a:prstGeom>
         </p:spPr>
       </p:pic>
-      <mc:AlternateContent xmlns:mc="http://schemas.openxmlformats.org/markup-compatibility/2006">
-        <mc:Choice xmlns:a14="http://schemas.microsoft.com/office/drawing/2010/main" Requires="a14">
+      <mc:AlternateContent xmlns:mc="http://schemas.openxmlformats.org/markup-compatibility/2006" xmlns:a14="http://schemas.microsoft.com/office/drawing/2010/main">
+        <mc:Choice Requires="a14">
           <p:sp>
             <p:nvSpPr>
               <p:cNvPr id="3" name="TextBox 2">
@@ -11858,7 +11877,7 @@
             </p:txBody>
           </p:sp>
         </mc:Choice>
-        <mc:Fallback>
+        <mc:Fallback xmlns="">
           <p:sp>
             <p:nvSpPr>
               <p:cNvPr id="3" name="TextBox 2">
@@ -11903,8 +11922,8 @@
           </p:sp>
         </mc:Fallback>
       </mc:AlternateContent>
-      <mc:AlternateContent xmlns:mc="http://schemas.openxmlformats.org/markup-compatibility/2006">
-        <mc:Choice xmlns:a14="http://schemas.microsoft.com/office/drawing/2010/main" Requires="a14">
+      <mc:AlternateContent xmlns:mc="http://schemas.openxmlformats.org/markup-compatibility/2006" xmlns:a14="http://schemas.microsoft.com/office/drawing/2010/main">
+        <mc:Choice Requires="a14">
           <p:sp>
             <p:nvSpPr>
               <p:cNvPr id="4" name="TextBox 3">
@@ -12698,7 +12717,7 @@
             </p:txBody>
           </p:sp>
         </mc:Choice>
-        <mc:Fallback>
+        <mc:Fallback xmlns="">
           <p:sp>
             <p:nvSpPr>
               <p:cNvPr id="4" name="TextBox 3">
@@ -12743,8 +12762,8 @@
           </p:sp>
         </mc:Fallback>
       </mc:AlternateContent>
-      <mc:AlternateContent xmlns:mc="http://schemas.openxmlformats.org/markup-compatibility/2006">
-        <mc:Choice xmlns:a14="http://schemas.microsoft.com/office/drawing/2010/main" Requires="a14">
+      <mc:AlternateContent xmlns:mc="http://schemas.openxmlformats.org/markup-compatibility/2006" xmlns:a14="http://schemas.microsoft.com/office/drawing/2010/main">
+        <mc:Choice Requires="a14">
           <p:sp>
             <p:nvSpPr>
               <p:cNvPr id="5" name="TextBox 4">
@@ -12940,7 +12959,7 @@
             </p:txBody>
           </p:sp>
         </mc:Choice>
-        <mc:Fallback>
+        <mc:Fallback xmlns="">
           <p:sp>
             <p:nvSpPr>
               <p:cNvPr id="5" name="TextBox 4">
